--- a/output/modernWorship/God-is-Able.pptx
+++ b/output/modernWorship/God-is-Able.pptx
@@ -740,7 +740,7 @@
           <a:lstStyle/>
           <a:p>
             <a:r>
-              <a:t>(Repeat Chorus)</a:t>
+              <a:t>Bridge</a:t>
             </a:r>
             <a:br/>
             <a:r>
@@ -818,7 +818,7 @@
           <a:lstStyle/>
           <a:p>
             <a:r>
-              <a:t>(Repeat Chorus)</a:t>
+              <a:t>Ending</a:t>
             </a:r>
             <a:br/>
             <a:r>
@@ -4176,40 +4176,35 @@
           <a:lstStyle/>
           <a:p/>
           <a:p>
-            <a:br/>
             <a:pPr>
               <a:defRPr sz="2500"/>
             </a:pPr>
             <a:r>
-              <a:t>Bridge</a:t>
+              <a:t>God is with us</a:t>
             </a:r>
             <a:br/>
             <a:r>
-              <a:t>God is with us</a:t>
+              <a:t>He will go before</a:t>
             </a:r>
             <a:br/>
             <a:r>
-              <a:t>He will go before</a:t>
+              <a:t>He will never leave us</a:t>
             </a:r>
             <a:br/>
             <a:r>
-              <a:t>He will never leave us </a:t>
+              <a:t>He will never leave us</a:t>
             </a:r>
             <a:br/>
             <a:r>
-              <a:t>He will never leave us</a:t>
+              <a:t>God is for us</a:t>
             </a:r>
             <a:br/>
             <a:r>
-              <a:t>God is for us</a:t>
+              <a:t>He has open arms</a:t>
             </a:r>
             <a:br/>
             <a:r>
-              <a:t>He has open arms</a:t>
-            </a:r>
-            <a:br/>
-            <a:r>
-              <a:t>He will never fail us </a:t>
+              <a:t>He will never fail us</a:t>
             </a:r>
             <a:br/>
             <a:r>
@@ -4246,7 +4241,7 @@
               <a:defRPr sz="1200"/>
             </a:pPr>
             <a:r>
-              <a:t>(Repeat Chorus)</a:t>
+              <a:t>Bridge</a:t>
             </a:r>
             <a:br/>
             <a:r>
@@ -4300,20 +4295,15 @@
           <a:lstStyle/>
           <a:p/>
           <a:p>
-            <a:br/>
             <a:pPr>
               <a:defRPr sz="2500"/>
             </a:pPr>
             <a:r>
-              <a:t>Ending</a:t>
+              <a:t>For the Lord our God is able</a:t>
             </a:r>
             <a:br/>
             <a:r>
               <a:t>For the Lord our God is able</a:t>
-            </a:r>
-            <a:br/>
-            <a:r>
-              <a:t>For the Lord our God is able </a:t>
             </a:r>
             <a:br/>
           </a:p>
@@ -4346,7 +4336,7 @@
               <a:defRPr sz="1200"/>
             </a:pPr>
             <a:r>
-              <a:t>(Repeat Chorus)</a:t>
+              <a:t>Ending</a:t>
             </a:r>
             <a:br/>
             <a:r>
